--- a/11-Introduction To Testing.pptx
+++ b/11-Introduction To Testing.pptx
@@ -5,13 +5,13 @@
     <p:sldMasterId id="2147483648" r:id="rId4"/>
   </p:sldMasterIdLst>
   <p:notesMasterIdLst>
-    <p:notesMasterId r:id="rId20"/>
+    <p:notesMasterId r:id="rId19"/>
   </p:notesMasterIdLst>
   <p:handoutMasterIdLst>
-    <p:handoutMasterId r:id="rId21"/>
+    <p:handoutMasterId r:id="rId20"/>
   </p:handoutMasterIdLst>
   <p:sldIdLst>
-    <p:sldId id="776" r:id="rId5"/>
+    <p:sldId id="1560" r:id="rId5"/>
     <p:sldId id="794" r:id="rId6"/>
     <p:sldId id="795" r:id="rId7"/>
     <p:sldId id="796" r:id="rId8"/>
@@ -23,14 +23,13 @@
     <p:sldId id="809" r:id="rId14"/>
     <p:sldId id="810" r:id="rId15"/>
     <p:sldId id="811" r:id="rId16"/>
-    <p:sldId id="831" r:id="rId17"/>
-    <p:sldId id="812" r:id="rId18"/>
-    <p:sldId id="823" r:id="rId19"/>
+    <p:sldId id="812" r:id="rId17"/>
+    <p:sldId id="823" r:id="rId18"/>
   </p:sldIdLst>
   <p:sldSz cx="12192000" cy="6858000"/>
   <p:notesSz cx="6645275" cy="9775825"/>
   <p:custDataLst>
-    <p:tags r:id="rId22"/>
+    <p:tags r:id="rId21"/>
   </p:custDataLst>
   <p:defaultTextStyle>
     <a:defPPr>
@@ -132,7 +131,7 @@
       <p14:sectionLst xmlns:p14="http://schemas.microsoft.com/office/powerpoint/2010/main">
         <p14:section name="Title slide" id="{DE8BF54A-1323-4403-83F8-D7B5510C9D53}">
           <p14:sldIdLst>
-            <p14:sldId id="776"/>
+            <p14:sldId id="1560"/>
             <p14:sldId id="794"/>
             <p14:sldId id="795"/>
             <p14:sldId id="796"/>
@@ -144,7 +143,6 @@
             <p14:sldId id="809"/>
             <p14:sldId id="810"/>
             <p14:sldId id="811"/>
-            <p14:sldId id="831"/>
             <p14:sldId id="812"/>
             <p14:sldId id="823"/>
           </p14:sldIdLst>
@@ -11816,7 +11814,7 @@
           <a:p>
             <a:fld id="{86D088FE-3E68-47FE-8BA4-634CD34BABBC}" type="datetimeFigureOut">
               <a:rPr lang="en-GB" smtClean="0"/>
-              <a:t>10/10/2022</a:t>
+              <a:t>05/12/2025</a:t>
             </a:fld>
             <a:endParaRPr lang="en-GB"/>
           </a:p>
@@ -11987,7 +11985,7 @@
             <a:fld id="{1D6B66C6-1E92-0F4E-A300-9D4ED1F0C23F}" type="datetimeFigureOut">
               <a:rPr lang="en-GB" smtClean="0"/>
               <a:pPr/>
-              <a:t>10/10/2022</a:t>
+              <a:t>05/12/2025</a:t>
             </a:fld>
             <a:endParaRPr lang="en-GB"/>
           </a:p>
@@ -12305,7 +12303,7 @@
           <a:bodyPr/>
           <a:lstStyle/>
           <a:p>
-            <a:endParaRPr lang="en-IN" dirty="0"/>
+            <a:endParaRPr lang="en-US"/>
           </a:p>
         </p:txBody>
       </p:sp>
@@ -12316,7 +12314,7 @@
             <a:spLocks noGrp="1"/>
           </p:cNvSpPr>
           <p:nvPr>
-            <p:ph type="sldNum" sz="quarter" idx="10"/>
+            <p:ph type="sldNum" sz="quarter" idx="5"/>
           </p:nvPr>
         </p:nvSpPr>
         <p:spPr/>
@@ -12324,9 +12322,8 @@
           <a:bodyPr/>
           <a:lstStyle/>
           <a:p>
-            <a:fld id="{548901C6-1DA1-FB44-ABEE-06A0FEB7738E}" type="slidenum">
+            <a:fld id="{35BE1F5F-BEC2-48D5-A890-C07C79853E26}" type="slidenum">
               <a:rPr lang="en-GB" smtClean="0"/>
-              <a:pPr/>
               <a:t>1</a:t>
             </a:fld>
             <a:endParaRPr lang="en-GB"/>
@@ -12336,7 +12333,7 @@
     </p:spTree>
     <p:extLst>
       <p:ext uri="{BB962C8B-B14F-4D97-AF65-F5344CB8AC3E}">
-        <p14:creationId xmlns:p14="http://schemas.microsoft.com/office/powerpoint/2010/main" val="110649545"/>
+        <p14:creationId xmlns:p14="http://schemas.microsoft.com/office/powerpoint/2010/main" val="2546931957"/>
       </p:ext>
     </p:extLst>
   </p:cSld>
@@ -12710,96 +12707,6 @@
       </p:grpSpPr>
       <p:sp>
         <p:nvSpPr>
-          <p:cNvPr id="44034" name="Rectangle 2"/>
-          <p:cNvSpPr>
-            <a:spLocks noGrp="1" noRot="1" noChangeAspect="1" noChangeArrowheads="1" noTextEdit="1"/>
-          </p:cNvSpPr>
-          <p:nvPr>
-            <p:ph type="sldImg"/>
-          </p:nvPr>
-        </p:nvSpPr>
-        <p:spPr>
-          <a:ln/>
-        </p:spPr>
-      </p:sp>
-      <p:sp>
-        <p:nvSpPr>
-          <p:cNvPr id="44035" name="Rectangle 3"/>
-          <p:cNvSpPr>
-            <a:spLocks noGrp="1" noChangeArrowheads="1"/>
-          </p:cNvSpPr>
-          <p:nvPr>
-            <p:ph type="body" idx="1"/>
-          </p:nvPr>
-        </p:nvSpPr>
-        <p:spPr>
-          <a:noFill/>
-          <a:ln/>
-        </p:spPr>
-        <p:txBody>
-          <a:bodyPr/>
-          <a:lstStyle/>
-          <a:p>
-            <a:endParaRPr lang="en-GB" dirty="0"/>
-          </a:p>
-        </p:txBody>
-      </p:sp>
-      <p:sp>
-        <p:nvSpPr>
-          <p:cNvPr id="2" name="Slide Number Placeholder 1"/>
-          <p:cNvSpPr>
-            <a:spLocks noGrp="1"/>
-          </p:cNvSpPr>
-          <p:nvPr>
-            <p:ph type="sldNum" sz="quarter" idx="10"/>
-          </p:nvPr>
-        </p:nvSpPr>
-        <p:spPr/>
-        <p:txBody>
-          <a:bodyPr/>
-          <a:lstStyle/>
-          <a:p>
-            <a:fld id="{548901C6-1DA1-FB44-ABEE-06A0FEB7738E}" type="slidenum">
-              <a:rPr lang="en-GB" smtClean="0"/>
-              <a:pPr/>
-              <a:t>14</a:t>
-            </a:fld>
-            <a:endParaRPr lang="en-GB"/>
-          </a:p>
-        </p:txBody>
-      </p:sp>
-    </p:spTree>
-    <p:extLst>
-      <p:ext uri="{BB962C8B-B14F-4D97-AF65-F5344CB8AC3E}">
-        <p14:creationId xmlns:p14="http://schemas.microsoft.com/office/powerpoint/2010/main" val="2381422999"/>
-      </p:ext>
-    </p:extLst>
-  </p:cSld>
-  <p:clrMapOvr>
-    <a:masterClrMapping/>
-  </p:clrMapOvr>
-</p:notes>
-</file>
-
-<file path=ppt/notesSlides/notesSlide15.xml><?xml version="1.0" encoding="utf-8"?>
-<p:notes xmlns:a="http://schemas.openxmlformats.org/drawingml/2006/main" xmlns:r="http://schemas.openxmlformats.org/officeDocument/2006/relationships" xmlns:p="http://schemas.openxmlformats.org/presentationml/2006/main">
-  <p:cSld>
-    <p:spTree>
-      <p:nvGrpSpPr>
-        <p:cNvPr id="1" name=""/>
-        <p:cNvGrpSpPr/>
-        <p:nvPr/>
-      </p:nvGrpSpPr>
-      <p:grpSpPr>
-        <a:xfrm>
-          <a:off x="0" y="0"/>
-          <a:ext cx="0" cy="0"/>
-          <a:chOff x="0" y="0"/>
-          <a:chExt cx="0" cy="0"/>
-        </a:xfrm>
-      </p:grpSpPr>
-      <p:sp>
-        <p:nvSpPr>
           <p:cNvPr id="58370" name="Rectangle 2"/>
           <p:cNvSpPr>
             <a:spLocks noGrp="1" noRot="1" noChangeAspect="1" noChangeArrowheads="1" noTextEdit="1"/>
@@ -12852,7 +12759,7 @@
             <a:fld id="{548901C6-1DA1-FB44-ABEE-06A0FEB7738E}" type="slidenum">
               <a:rPr lang="en-GB" smtClean="0"/>
               <a:pPr/>
-              <a:t>15</a:t>
+              <a:t>14</a:t>
             </a:fld>
             <a:endParaRPr lang="en-GB"/>
           </a:p>
@@ -33855,6 +33762,245 @@
 </p:sldLayout>
 </file>
 
+<file path=ppt/slideLayouts/slideLayout39.xml><?xml version="1.0" encoding="utf-8"?>
+<p:sldLayout xmlns:a="http://schemas.openxmlformats.org/drawingml/2006/main" xmlns:r="http://schemas.openxmlformats.org/officeDocument/2006/relationships" xmlns:p="http://schemas.openxmlformats.org/presentationml/2006/main" type="title">
+  <p:cSld name="Purple_divider">
+    <p:bg>
+      <p:bgPr>
+        <a:blipFill dpi="0" rotWithShape="1">
+          <a:blip r:embed="rId2">
+            <a:lum/>
+          </a:blip>
+          <a:srcRect/>
+          <a:stretch>
+            <a:fillRect/>
+          </a:stretch>
+        </a:blipFill>
+        <a:effectLst/>
+      </p:bgPr>
+    </p:bg>
+    <p:spTree>
+      <p:nvGrpSpPr>
+        <p:cNvPr id="1" name=""/>
+        <p:cNvGrpSpPr/>
+        <p:nvPr/>
+      </p:nvGrpSpPr>
+      <p:grpSpPr>
+        <a:xfrm>
+          <a:off x="0" y="0"/>
+          <a:ext cx="0" cy="0"/>
+          <a:chOff x="0" y="0"/>
+          <a:chExt cx="0" cy="0"/>
+        </a:xfrm>
+      </p:grpSpPr>
+      <p:pic>
+        <p:nvPicPr>
+          <p:cNvPr id="5" name="Picture 4">
+            <a:extLst>
+              <a:ext uri="{FF2B5EF4-FFF2-40B4-BE49-F238E27FC236}">
+                <a16:creationId xmlns:a16="http://schemas.microsoft.com/office/drawing/2014/main" id="{AB0B8D50-2C63-2F2E-599F-E921BF1F757F}"/>
+              </a:ext>
+              <a:ext uri="{C183D7F6-B498-43B3-948B-1728B52AA6E4}">
+                <adec:decorative xmlns:adec="http://schemas.microsoft.com/office/drawing/2017/decorative" val="1"/>
+              </a:ext>
+            </a:extLst>
+          </p:cNvPr>
+          <p:cNvPicPr>
+            <a:picLocks noChangeAspect="1"/>
+          </p:cNvPicPr>
+          <p:nvPr userDrawn="1"/>
+        </p:nvPicPr>
+        <p:blipFill>
+          <a:blip r:embed="rId3"/>
+          <a:stretch>
+            <a:fillRect/>
+          </a:stretch>
+        </p:blipFill>
+        <p:spPr>
+          <a:xfrm>
+            <a:off x="0" y="898802"/>
+            <a:ext cx="8062294" cy="1684800"/>
+          </a:xfrm>
+          <a:prstGeom prst="rect">
+            <a:avLst/>
+          </a:prstGeom>
+        </p:spPr>
+      </p:pic>
+      <p:sp>
+        <p:nvSpPr>
+          <p:cNvPr id="2" name="Title 1">
+            <a:extLst>
+              <a:ext uri="{FF2B5EF4-FFF2-40B4-BE49-F238E27FC236}">
+                <a16:creationId xmlns:a16="http://schemas.microsoft.com/office/drawing/2014/main" id="{909D855A-1A49-ADBE-89C8-65ECAFD2AAB3}"/>
+              </a:ext>
+            </a:extLst>
+          </p:cNvPr>
+          <p:cNvSpPr>
+            <a:spLocks noGrp="1"/>
+          </p:cNvSpPr>
+          <p:nvPr>
+            <p:ph type="ctrTitle"/>
+          </p:nvPr>
+        </p:nvSpPr>
+        <p:spPr>
+          <a:xfrm>
+            <a:off x="473406" y="1118152"/>
+            <a:ext cx="6777996" cy="1247916"/>
+          </a:xfrm>
+          <a:prstGeom prst="rect">
+            <a:avLst/>
+          </a:prstGeom>
+          <a:ln>
+            <a:noFill/>
+          </a:ln>
+        </p:spPr>
+        <p:txBody>
+          <a:bodyPr lIns="0" rIns="0" anchor="ctr"/>
+          <a:lstStyle>
+            <a:lvl1pPr algn="l">
+              <a:lnSpc>
+                <a:spcPct val="100000"/>
+              </a:lnSpc>
+              <a:defRPr sz="3600">
+                <a:solidFill>
+                  <a:schemeClr val="tx1"/>
+                </a:solidFill>
+              </a:defRPr>
+            </a:lvl1pPr>
+          </a:lstStyle>
+          <a:p>
+            <a:endParaRPr lang="en-GB"/>
+          </a:p>
+        </p:txBody>
+      </p:sp>
+      <p:sp>
+        <p:nvSpPr>
+          <p:cNvPr id="3" name="Subtitle 2">
+            <a:extLst>
+              <a:ext uri="{FF2B5EF4-FFF2-40B4-BE49-F238E27FC236}">
+                <a16:creationId xmlns:a16="http://schemas.microsoft.com/office/drawing/2014/main" id="{994AF8D4-DACD-9AF9-364C-02C474BC62A5}"/>
+              </a:ext>
+            </a:extLst>
+          </p:cNvPr>
+          <p:cNvSpPr>
+            <a:spLocks noGrp="1"/>
+          </p:cNvSpPr>
+          <p:nvPr>
+            <p:ph type="subTitle" idx="1"/>
+          </p:nvPr>
+        </p:nvSpPr>
+        <p:spPr>
+          <a:xfrm>
+            <a:off x="473406" y="2902689"/>
+            <a:ext cx="6150678" cy="863600"/>
+          </a:xfrm>
+          <a:prstGeom prst="rect">
+            <a:avLst/>
+          </a:prstGeom>
+          <a:ln>
+            <a:noFill/>
+          </a:ln>
+        </p:spPr>
+        <p:txBody>
+          <a:bodyPr lIns="0" rIns="0" anchor="t"/>
+          <a:lstStyle>
+            <a:lvl1pPr marL="0" indent="0" algn="l">
+              <a:buNone/>
+              <a:defRPr sz="1800">
+                <a:solidFill>
+                  <a:schemeClr val="tx1"/>
+                </a:solidFill>
+              </a:defRPr>
+            </a:lvl1pPr>
+            <a:lvl2pPr marL="457200" indent="0" algn="ctr">
+              <a:buNone/>
+              <a:defRPr sz="2000"/>
+            </a:lvl2pPr>
+            <a:lvl3pPr marL="914400" indent="0" algn="ctr">
+              <a:buNone/>
+              <a:defRPr sz="1800"/>
+            </a:lvl3pPr>
+            <a:lvl4pPr marL="1371600" indent="0" algn="ctr">
+              <a:buNone/>
+              <a:defRPr sz="1600"/>
+            </a:lvl4pPr>
+            <a:lvl5pPr marL="1828800" indent="0" algn="ctr">
+              <a:buNone/>
+              <a:defRPr sz="1600"/>
+            </a:lvl5pPr>
+            <a:lvl6pPr marL="2286000" indent="0" algn="ctr">
+              <a:buNone/>
+              <a:defRPr sz="1600"/>
+            </a:lvl6pPr>
+            <a:lvl7pPr marL="2743200" indent="0" algn="ctr">
+              <a:buNone/>
+              <a:defRPr sz="1600"/>
+            </a:lvl7pPr>
+            <a:lvl8pPr marL="3200400" indent="0" algn="ctr">
+              <a:buNone/>
+              <a:defRPr sz="1600"/>
+            </a:lvl8pPr>
+            <a:lvl9pPr marL="3657600" indent="0" algn="ctr">
+              <a:buNone/>
+              <a:defRPr sz="1600"/>
+            </a:lvl9pPr>
+          </a:lstStyle>
+          <a:p>
+            <a:endParaRPr lang="en-GB"/>
+          </a:p>
+        </p:txBody>
+      </p:sp>
+      <p:pic>
+        <p:nvPicPr>
+          <p:cNvPr id="9" name="Picture 8">
+            <a:extLst>
+              <a:ext uri="{FF2B5EF4-FFF2-40B4-BE49-F238E27FC236}">
+                <a16:creationId xmlns:a16="http://schemas.microsoft.com/office/drawing/2014/main" id="{ADC96ABF-C649-123E-FBF1-598689C3D553}"/>
+              </a:ext>
+              <a:ext uri="{C183D7F6-B498-43B3-948B-1728B52AA6E4}">
+                <adec:decorative xmlns:adec="http://schemas.microsoft.com/office/drawing/2017/decorative" val="1"/>
+              </a:ext>
+            </a:extLst>
+          </p:cNvPr>
+          <p:cNvPicPr>
+            <a:picLocks noChangeAspect="1"/>
+          </p:cNvPicPr>
+          <p:nvPr userDrawn="1"/>
+        </p:nvPicPr>
+        <p:blipFill>
+          <a:blip r:embed="rId4"/>
+          <a:stretch>
+            <a:fillRect/>
+          </a:stretch>
+        </p:blipFill>
+        <p:spPr>
+          <a:xfrm>
+            <a:off x="473406" y="5650088"/>
+            <a:ext cx="1972082" cy="650979"/>
+          </a:xfrm>
+          <a:prstGeom prst="rect">
+            <a:avLst/>
+          </a:prstGeom>
+        </p:spPr>
+      </p:pic>
+    </p:spTree>
+    <p:extLst>
+      <p:ext uri="{BB962C8B-B14F-4D97-AF65-F5344CB8AC3E}">
+        <p14:creationId xmlns:p14="http://schemas.microsoft.com/office/powerpoint/2010/main" val="1326680160"/>
+      </p:ext>
+    </p:extLst>
+  </p:cSld>
+  <p:clrMapOvr>
+    <a:masterClrMapping/>
+  </p:clrMapOvr>
+  <p:extLst>
+    <p:ext uri="{DCECCB84-F9BA-43D5-87BE-67443E8EF086}">
+      <p15:sldGuideLst xmlns:p15="http://schemas.microsoft.com/office/powerpoint/2012/main"/>
+    </p:ext>
+  </p:extLst>
+</p:sldLayout>
+</file>
+
 <file path=ppt/slideLayouts/slideLayout4.xml><?xml version="1.0" encoding="utf-8"?>
 <p:sldLayout xmlns:a="http://schemas.openxmlformats.org/drawingml/2006/main" xmlns:r="http://schemas.openxmlformats.org/officeDocument/2006/relationships" xmlns:p="http://schemas.openxmlformats.org/presentationml/2006/main" showMasterSp="0" preserve="1" userDrawn="1">
   <p:cSld name="Title slide 1">
@@ -38103,6 +38249,7 @@
     <p:sldLayoutId id="2147483905" r:id="rId36"/>
     <p:sldLayoutId id="2147483906" r:id="rId37"/>
     <p:sldLayoutId id="2147483907" r:id="rId38"/>
+    <p:sldLayoutId id="2147483908" r:id="rId39"/>
   </p:sldLayoutIdLst>
   <p:hf hdr="0" dt="0"/>
   <p:txStyles>
@@ -38161,7 +38308,7 @@
         <a:buSzPct val="125000"/>
         <a:buFontTx/>
         <a:buBlip>
-          <a:blip r:embed="rId40"/>
+          <a:blip r:embed="rId41"/>
         </a:buBlip>
         <a:tabLst/>
         <a:defRPr sz="2000" b="0" kern="1200">
@@ -38186,7 +38333,7 @@
         <a:buSzPct val="120000"/>
         <a:buFontTx/>
         <a:buBlip>
-          <a:blip r:embed="rId40"/>
+          <a:blip r:embed="rId41"/>
         </a:buBlip>
         <a:tabLst/>
         <a:defRPr sz="2000" b="0" i="0" kern="1200">
@@ -38211,7 +38358,7 @@
         <a:buSzPct val="120000"/>
         <a:buFontTx/>
         <a:buBlip>
-          <a:blip r:embed="rId40"/>
+          <a:blip r:embed="rId41"/>
         </a:buBlip>
         <a:tabLst/>
         <a:defRPr sz="2000" b="0" kern="1200">
@@ -38236,7 +38383,7 @@
         <a:buSzPct val="125000"/>
         <a:buFontTx/>
         <a:buBlip>
-          <a:blip r:embed="rId40"/>
+          <a:blip r:embed="rId41"/>
         </a:buBlip>
         <a:tabLst/>
         <a:defRPr sz="2000" b="0" kern="1200">
@@ -38585,7 +38732,13 @@
       </p:grpSpPr>
       <p:sp>
         <p:nvSpPr>
-          <p:cNvPr id="3" name="Title 2"/>
+          <p:cNvPr id="4" name="Title 3">
+            <a:extLst>
+              <a:ext uri="{FF2B5EF4-FFF2-40B4-BE49-F238E27FC236}">
+                <a16:creationId xmlns:a16="http://schemas.microsoft.com/office/drawing/2014/main" id="{6B10A2E5-A3AA-7BE3-7C87-983A58C15C46}"/>
+              </a:ext>
+            </a:extLst>
+          </p:cNvPr>
           <p:cNvSpPr>
             <a:spLocks noGrp="1"/>
           </p:cNvSpPr>
@@ -38602,16 +38755,16 @@
               <a:rPr lang="en-GB" dirty="0"/>
               <a:t>Introduction to Testing</a:t>
             </a:r>
-            <a:endParaRPr lang="en-IN" dirty="0"/>
+            <a:endParaRPr lang="en-US" dirty="0"/>
           </a:p>
         </p:txBody>
       </p:sp>
       <p:sp>
         <p:nvSpPr>
-          <p:cNvPr id="2" name="Text Placeholder 1">
+          <p:cNvPr id="3" name="Subtitle 2">
             <a:extLst>
               <a:ext uri="{FF2B5EF4-FFF2-40B4-BE49-F238E27FC236}">
-                <a16:creationId xmlns:a16="http://schemas.microsoft.com/office/drawing/2014/main" id="{B0EB3421-D355-34AD-521F-CEC9C7A51D28}"/>
+                <a16:creationId xmlns:a16="http://schemas.microsoft.com/office/drawing/2014/main" id="{52534D79-CFC0-C4F4-AD12-F13DBCAB1A97}"/>
               </a:ext>
             </a:extLst>
           </p:cNvPr>
@@ -38619,7 +38772,7 @@
             <a:spLocks noGrp="1"/>
           </p:cNvSpPr>
           <p:nvPr>
-            <p:ph type="body" sz="quarter" idx="10"/>
+            <p:ph type="subTitle" idx="1"/>
           </p:nvPr>
         </p:nvSpPr>
         <p:spPr/>
@@ -38634,7 +38787,7 @@
     </p:spTree>
     <p:extLst>
       <p:ext uri="{BB962C8B-B14F-4D97-AF65-F5344CB8AC3E}">
-        <p14:creationId xmlns:p14="http://schemas.microsoft.com/office/powerpoint/2010/main" val="1579694095"/>
+        <p14:creationId xmlns:p14="http://schemas.microsoft.com/office/powerpoint/2010/main" val="1003932267"/>
       </p:ext>
     </p:extLst>
   </p:cSld>
@@ -38730,19 +38883,22 @@
         </p:blipFill>
         <p:spPr>
           <a:xfrm>
-            <a:off x="745701" y="1928886"/>
+            <a:off x="745701" y="2343414"/>
             <a:ext cx="5343525" cy="2628900"/>
           </a:xfrm>
           <a:prstGeom prst="rect">
             <a:avLst/>
           </a:prstGeom>
-          <a:ln w="19050">
-            <a:solidFill>
-              <a:schemeClr val="accent1">
-                <a:lumMod val="50000"/>
-              </a:schemeClr>
-            </a:solidFill>
+          <a:ln>
+            <a:noFill/>
           </a:ln>
+          <a:effectLst>
+            <a:outerShdw blurRad="292100" dist="139700" dir="2700000" algn="tl" rotWithShape="0">
+              <a:srgbClr val="333333">
+                <a:alpha val="65000"/>
+              </a:srgbClr>
+            </a:outerShdw>
+          </a:effectLst>
         </p:spPr>
       </p:pic>
       <p:pic>
@@ -38761,19 +38917,22 @@
         </p:blipFill>
         <p:spPr>
           <a:xfrm>
-            <a:off x="6383948" y="1928886"/>
+            <a:off x="6383948" y="2343414"/>
             <a:ext cx="4070419" cy="2635295"/>
           </a:xfrm>
           <a:prstGeom prst="rect">
             <a:avLst/>
           </a:prstGeom>
-          <a:ln w="19050">
-            <a:solidFill>
-              <a:schemeClr val="accent1">
-                <a:lumMod val="50000"/>
-              </a:schemeClr>
-            </a:solidFill>
+          <a:ln>
+            <a:noFill/>
           </a:ln>
+          <a:effectLst>
+            <a:outerShdw blurRad="292100" dist="139700" dir="2700000" algn="tl" rotWithShape="0">
+              <a:srgbClr val="333333">
+                <a:alpha val="65000"/>
+              </a:srgbClr>
+            </a:outerShdw>
+          </a:effectLst>
         </p:spPr>
       </p:pic>
     </p:spTree>
@@ -38843,13 +39002,21 @@
             <a:avLst/>
           </a:prstGeom>
           <a:solidFill>
-            <a:schemeClr val="bg1"/>
+            <a:schemeClr val="accent5">
+              <a:lumMod val="20000"/>
+              <a:lumOff val="80000"/>
+            </a:schemeClr>
           </a:solidFill>
           <a:ln w="19050">
-            <a:solidFill>
-              <a:srgbClr val="004050"/>
-            </a:solidFill>
+            <a:noFill/>
           </a:ln>
+          <a:effectLst>
+            <a:outerShdw blurRad="50800" dist="38100" algn="l" rotWithShape="0">
+              <a:prstClr val="black">
+                <a:alpha val="40000"/>
+              </a:prstClr>
+            </a:outerShdw>
+          </a:effectLst>
         </p:spPr>
         <p:txBody>
           <a:bodyPr wrap="square">
@@ -39534,7 +39701,7 @@
         </p:blipFill>
         <p:spPr>
           <a:xfrm>
-            <a:off x="2105088" y="1449239"/>
+            <a:off x="1471104" y="1638739"/>
             <a:ext cx="4378279" cy="2257715"/>
           </a:xfrm>
           <a:prstGeom prst="rect">
@@ -39563,7 +39730,7 @@
         </p:blipFill>
         <p:spPr>
           <a:xfrm>
-            <a:off x="6932269" y="1449239"/>
+            <a:off x="6639661" y="1640374"/>
             <a:ext cx="3028955" cy="2636716"/>
           </a:xfrm>
           <a:prstGeom prst="rect">
@@ -39590,132 +39757,6 @@
 </file>
 
 <file path=ppt/slides/slide13.xml><?xml version="1.0" encoding="utf-8"?>
-<p:sld xmlns:a="http://schemas.openxmlformats.org/drawingml/2006/main" xmlns:r="http://schemas.openxmlformats.org/officeDocument/2006/relationships" xmlns:p="http://schemas.openxmlformats.org/presentationml/2006/main">
-  <p:cSld>
-    <p:spTree>
-      <p:nvGrpSpPr>
-        <p:cNvPr id="1" name=""/>
-        <p:cNvGrpSpPr/>
-        <p:nvPr/>
-      </p:nvGrpSpPr>
-      <p:grpSpPr>
-        <a:xfrm>
-          <a:off x="0" y="0"/>
-          <a:ext cx="0" cy="0"/>
-          <a:chOff x="0" y="0"/>
-          <a:chExt cx="0" cy="0"/>
-        </a:xfrm>
-      </p:grpSpPr>
-      <p:sp>
-        <p:nvSpPr>
-          <p:cNvPr id="2" name="Text Placeholder 1"/>
-          <p:cNvSpPr>
-            <a:spLocks noGrp="1"/>
-          </p:cNvSpPr>
-          <p:nvPr>
-            <p:ph type="body" sz="quarter" idx="10"/>
-          </p:nvPr>
-        </p:nvSpPr>
-        <p:spPr/>
-        <p:txBody>
-          <a:bodyPr/>
-          <a:lstStyle/>
-          <a:p>
-            <a:r>
-              <a:rPr lang="en-GB" dirty="0"/>
-              <a:t>Review</a:t>
-            </a:r>
-            <a:endParaRPr lang="en-IN" dirty="0"/>
-          </a:p>
-        </p:txBody>
-      </p:sp>
-      <p:sp>
-        <p:nvSpPr>
-          <p:cNvPr id="3" name="Text Placeholder 2"/>
-          <p:cNvSpPr>
-            <a:spLocks noGrp="1"/>
-          </p:cNvSpPr>
-          <p:nvPr>
-            <p:ph type="body" sz="quarter" idx="11"/>
-          </p:nvPr>
-        </p:nvSpPr>
-        <p:spPr/>
-        <p:txBody>
-          <a:bodyPr vert="horz" lIns="0" tIns="0" rIns="0" bIns="0" rtlCol="0" anchor="t" anchorCtr="0">
-            <a:noAutofit/>
-          </a:bodyPr>
-          <a:lstStyle/>
-          <a:p>
-            <a:pPr marL="342900" indent="-342900">
-              <a:buChar char="•"/>
-            </a:pPr>
-            <a:r>
-              <a:rPr lang="en-GB" dirty="0"/>
-              <a:t>Unit Testing and Test Driven Development are the recommended approach to produce quality software</a:t>
-            </a:r>
-          </a:p>
-          <a:p>
-            <a:pPr marL="342900" indent="-342900">
-              <a:buChar char="•"/>
-            </a:pPr>
-            <a:endParaRPr lang="en-GB" dirty="0"/>
-          </a:p>
-          <a:p>
-            <a:pPr marL="342900" indent="-342900">
-              <a:buChar char="•"/>
-            </a:pPr>
-            <a:r>
-              <a:rPr lang="en-GB" dirty="0" err="1"/>
-              <a:t>JUnit</a:t>
-            </a:r>
-            <a:r>
-              <a:rPr lang="en-GB" dirty="0"/>
-              <a:t> encourages the TDD </a:t>
-            </a:r>
-            <a:r>
-              <a:rPr lang="en-GB" dirty="0" err="1"/>
-              <a:t>mindset</a:t>
-            </a:r>
-            <a:endParaRPr lang="en-GB" dirty="0"/>
-          </a:p>
-          <a:p>
-            <a:pPr lvl="1">
-              <a:spcAft>
-                <a:spcPts val="650"/>
-              </a:spcAft>
-            </a:pPr>
-            <a:endParaRPr lang="en-GB" dirty="0"/>
-          </a:p>
-          <a:p>
-            <a:pPr lvl="1">
-              <a:spcAft>
-                <a:spcPts val="650"/>
-              </a:spcAft>
-            </a:pPr>
-            <a:endParaRPr lang="en-GB" dirty="0"/>
-          </a:p>
-          <a:p>
-            <a:pPr marL="342900" indent="-342900">
-              <a:buChar char="•"/>
-            </a:pPr>
-            <a:endParaRPr lang="en-IN" dirty="0"/>
-          </a:p>
-        </p:txBody>
-      </p:sp>
-    </p:spTree>
-    <p:extLst>
-      <p:ext uri="{BB962C8B-B14F-4D97-AF65-F5344CB8AC3E}">
-        <p14:creationId xmlns:p14="http://schemas.microsoft.com/office/powerpoint/2010/main" val="1321846373"/>
-      </p:ext>
-    </p:extLst>
-  </p:cSld>
-  <p:clrMapOvr>
-    <a:masterClrMapping/>
-  </p:clrMapOvr>
-</p:sld>
-</file>
-
-<file path=ppt/slides/slide14.xml><?xml version="1.0" encoding="utf-8"?>
 <p:sld xmlns:a="http://schemas.openxmlformats.org/drawingml/2006/main" xmlns:r="http://schemas.openxmlformats.org/officeDocument/2006/relationships" xmlns:p="http://schemas.openxmlformats.org/presentationml/2006/main">
   <p:cSld>
     <p:spTree>
@@ -39856,7 +39897,7 @@
 </p:sld>
 </file>
 
-<file path=ppt/slides/slide15.xml><?xml version="1.0" encoding="utf-8"?>
+<file path=ppt/slides/slide14.xml><?xml version="1.0" encoding="utf-8"?>
 <p:sld xmlns:a="http://schemas.openxmlformats.org/drawingml/2006/main" xmlns:r="http://schemas.openxmlformats.org/officeDocument/2006/relationships" xmlns:p="http://schemas.openxmlformats.org/presentationml/2006/main">
   <p:cSld>
     <p:spTree>
@@ -40162,6 +40203,13 @@
             <a:schemeClr val="lt1"/>
           </a:fontRef>
         </p:style>
+        <p:txBody>
+          <a:bodyPr/>
+          <a:lstStyle/>
+          <a:p>
+            <a:endParaRPr lang="en-GB"/>
+          </a:p>
+        </p:txBody>
       </p:sp>
       <p:sp>
         <p:nvSpPr>
@@ -40221,6 +40269,13 @@
             <a:schemeClr val="lt1"/>
           </a:fontRef>
         </p:style>
+        <p:txBody>
+          <a:bodyPr/>
+          <a:lstStyle/>
+          <a:p>
+            <a:endParaRPr lang="en-GB"/>
+          </a:p>
+        </p:txBody>
       </p:sp>
     </p:spTree>
     <p:extLst>
@@ -41954,6 +42009,32 @@
 </file>
 
 <file path=customXml/item1.xml><?xml version="1.0" encoding="utf-8"?>
+<?mso-contentType ?>
+<FormTemplates xmlns="http://schemas.microsoft.com/sharepoint/v3/contenttype/forms">
+  <Display>DocumentLibraryForm</Display>
+  <Edit>DocumentLibraryForm</Edit>
+  <New>DocumentLibraryForm</New>
+</FormTemplates>
+</file>
+
+<file path=customXml/item2.xml><?xml version="1.0" encoding="utf-8"?>
+<p:properties xmlns:p="http://schemas.microsoft.com/office/2006/metadata/properties" xmlns:xsi="http://www.w3.org/2001/XMLSchema-instance" xmlns:pc="http://schemas.microsoft.com/office/infopath/2007/PartnerControls">
+  <documentManagement>
+    <SequenceNumber xmlns="6794D9DE-4FDF-4DC0-8B2C-5438320C69D5" xsi:nil="true"/>
+    <IsBuildFile xmlns="6794D9DE-4FDF-4DC0-8B2C-5438320C69D5" xsi:nil="true"/>
+    <BookTypeField0 xmlns="6794D9DE-4FDF-4DC0-8B2C-5438320C69D5">
+      <Terms xmlns="http://schemas.microsoft.com/office/infopath/2007/PartnerControls">
+        <TermInfo xmlns="http://schemas.microsoft.com/office/infopath/2007/PartnerControls">
+          <TermName xmlns="http://schemas.microsoft.com/office/infopath/2007/PartnerControls">IK</TermName>
+          <TermId xmlns="http://schemas.microsoft.com/office/infopath/2007/PartnerControls">5abe6401-e87a-4499-80b4-3d21a1a6ebd7</TermId>
+        </TermInfo>
+      </Terms>
+    </BookTypeField0>
+  </documentManagement>
+</p:properties>
+</file>
+
+<file path=customXml/item3.xml><?xml version="1.0" encoding="utf-8"?>
 <ct:contentTypeSchema xmlns:ct="http://schemas.microsoft.com/office/2006/metadata/contentType" xmlns:ma="http://schemas.microsoft.com/office/2006/metadata/properties/metaAttributes" ct:_="" ma:_="" ma:contentTypeName="Courseware" ma:contentTypeID="0x010100F0967B7CEE8D417F966757887D9466FB00B3EF5B1D149FDF49B1880C030D548140" ma:contentTypeVersion="0" ma:contentTypeDescription="Base content type which represents courseware documents" ma:contentTypeScope="" ma:versionID="ab0d7ca79e0ea5a537b031f986da336c">
   <xsd:schema xmlns:xsd="http://www.w3.org/2001/XMLSchema" xmlns:xs="http://www.w3.org/2001/XMLSchema" xmlns:p="http://schemas.microsoft.com/office/2006/metadata/properties" xmlns:ns2="6794D9DE-4FDF-4DC0-8B2C-5438320C69D5" targetNamespace="http://schemas.microsoft.com/office/2006/metadata/properties" ma:root="true" ma:fieldsID="7ff8e7c62cc10108c036e94c947d8fb9" ns2:_="">
     <xsd:import namespace="6794D9DE-4FDF-4DC0-8B2C-5438320C69D5"/>
@@ -42093,46 +42174,10 @@
 </ct:contentTypeSchema>
 </file>
 
-<file path=customXml/item2.xml><?xml version="1.0" encoding="utf-8"?>
-<p:properties xmlns:p="http://schemas.microsoft.com/office/2006/metadata/properties" xmlns:xsi="http://www.w3.org/2001/XMLSchema-instance" xmlns:pc="http://schemas.microsoft.com/office/infopath/2007/PartnerControls">
-  <documentManagement>
-    <SequenceNumber xmlns="6794D9DE-4FDF-4DC0-8B2C-5438320C69D5" xsi:nil="true"/>
-    <IsBuildFile xmlns="6794D9DE-4FDF-4DC0-8B2C-5438320C69D5" xsi:nil="true"/>
-    <BookTypeField0 xmlns="6794D9DE-4FDF-4DC0-8B2C-5438320C69D5">
-      <Terms xmlns="http://schemas.microsoft.com/office/infopath/2007/PartnerControls">
-        <TermInfo xmlns="http://schemas.microsoft.com/office/infopath/2007/PartnerControls">
-          <TermName xmlns="http://schemas.microsoft.com/office/infopath/2007/PartnerControls">IK</TermName>
-          <TermId xmlns="http://schemas.microsoft.com/office/infopath/2007/PartnerControls">5abe6401-e87a-4499-80b4-3d21a1a6ebd7</TermId>
-        </TermInfo>
-      </Terms>
-    </BookTypeField0>
-  </documentManagement>
-</p:properties>
-</file>
-
-<file path=customXml/item3.xml><?xml version="1.0" encoding="utf-8"?>
-<?mso-contentType ?>
-<FormTemplates xmlns="http://schemas.microsoft.com/sharepoint/v3/contenttype/forms">
-  <Display>DocumentLibraryForm</Display>
-  <Edit>DocumentLibraryForm</Edit>
-  <New>DocumentLibraryForm</New>
-</FormTemplates>
-</file>
-
 <file path=customXml/itemProps1.xml><?xml version="1.0" encoding="utf-8"?>
-<ds:datastoreItem xmlns:ds="http://schemas.openxmlformats.org/officeDocument/2006/customXml" ds:itemID="{CC8774F7-25C0-479E-B90B-B4C03F2DE652}">
+<ds:datastoreItem xmlns:ds="http://schemas.openxmlformats.org/officeDocument/2006/customXml" ds:itemID="{19CFEB11-04EE-4A41-8B66-BAA01BA6D95B}">
   <ds:schemaRefs>
-    <ds:schemaRef ds:uri="http://schemas.microsoft.com/office/2006/metadata/contentType"/>
-    <ds:schemaRef ds:uri="http://schemas.microsoft.com/office/2006/metadata/properties/metaAttributes"/>
-    <ds:schemaRef ds:uri="http://www.w3.org/2001/XMLSchema"/>
-    <ds:schemaRef ds:uri="http://schemas.microsoft.com/office/2006/metadata/properties"/>
-    <ds:schemaRef ds:uri="6794D9DE-4FDF-4DC0-8B2C-5438320C69D5"/>
-    <ds:schemaRef ds:uri="http://schemas.microsoft.com/office/2006/documentManagement/types"/>
-    <ds:schemaRef ds:uri="http://schemas.microsoft.com/office/infopath/2007/PartnerControls"/>
-    <ds:schemaRef ds:uri="http://schemas.openxmlformats.org/package/2006/metadata/core-properties"/>
-    <ds:schemaRef ds:uri="http://purl.org/dc/elements/1.1/"/>
-    <ds:schemaRef ds:uri="http://purl.org/dc/terms/"/>
-    <ds:schemaRef ds:uri="http://schemas.microsoft.com/internal/obd"/>
+    <ds:schemaRef ds:uri="http://schemas.microsoft.com/sharepoint/v3/contenttype/forms"/>
   </ds:schemaRefs>
 </ds:datastoreItem>
 </file>
@@ -42154,9 +42199,19 @@
 </file>
 
 <file path=customXml/itemProps3.xml><?xml version="1.0" encoding="utf-8"?>
-<ds:datastoreItem xmlns:ds="http://schemas.openxmlformats.org/officeDocument/2006/customXml" ds:itemID="{19CFEB11-04EE-4A41-8B66-BAA01BA6D95B}">
+<ds:datastoreItem xmlns:ds="http://schemas.openxmlformats.org/officeDocument/2006/customXml" ds:itemID="{CC8774F7-25C0-479E-B90B-B4C03F2DE652}">
   <ds:schemaRefs>
-    <ds:schemaRef ds:uri="http://schemas.microsoft.com/sharepoint/v3/contenttype/forms"/>
+    <ds:schemaRef ds:uri="http://schemas.microsoft.com/office/2006/metadata/contentType"/>
+    <ds:schemaRef ds:uri="http://schemas.microsoft.com/office/2006/metadata/properties/metaAttributes"/>
+    <ds:schemaRef ds:uri="http://www.w3.org/2001/XMLSchema"/>
+    <ds:schemaRef ds:uri="http://schemas.microsoft.com/office/2006/metadata/properties"/>
+    <ds:schemaRef ds:uri="6794D9DE-4FDF-4DC0-8B2C-5438320C69D5"/>
+    <ds:schemaRef ds:uri="http://schemas.microsoft.com/office/2006/documentManagement/types"/>
+    <ds:schemaRef ds:uri="http://schemas.microsoft.com/office/infopath/2007/PartnerControls"/>
+    <ds:schemaRef ds:uri="http://schemas.openxmlformats.org/package/2006/metadata/core-properties"/>
+    <ds:schemaRef ds:uri="http://purl.org/dc/elements/1.1/"/>
+    <ds:schemaRef ds:uri="http://purl.org/dc/terms/"/>
+    <ds:schemaRef ds:uri="http://schemas.microsoft.com/internal/obd"/>
   </ds:schemaRefs>
 </ds:datastoreItem>
 </file>